--- a/Python_Calculator_Project_Presentation.pptx
+++ b/Python_Calculator_Project_Presentation.pptx
@@ -3594,10 +3594,10 @@
       </p:sp>
       <p:pic>
         <p:nvPicPr>
-          <p:cNvPr id="5" name="Picture 4">
+          <p:cNvPr id="6" name="Picture 5">
             <a:extLst>
               <a:ext uri="{FF2B5EF4-FFF2-40B4-BE49-F238E27FC236}">
-                <a16:creationId xmlns:a16="http://schemas.microsoft.com/office/drawing/2014/main" id="{E7C475C5-07A3-A8B9-19C4-51476F5CC502}"/>
+                <a16:creationId xmlns:a16="http://schemas.microsoft.com/office/drawing/2014/main" id="{26496EA2-AF3D-C019-1AD5-0880914D3A04}"/>
               </a:ext>
             </a:extLst>
           </p:cNvPr>
@@ -3614,8 +3614,8 @@
         </p:blipFill>
         <p:spPr>
           <a:xfrm>
-            <a:off x="0" y="3817273"/>
-            <a:ext cx="9144000" cy="3040727"/>
+            <a:off x="0" y="3826565"/>
+            <a:ext cx="9144000" cy="3031436"/>
           </a:xfrm>
           <a:prstGeom prst="rect">
             <a:avLst/>
